--- a/CS/Deque.pptx
+++ b/CS/Deque.pptx
@@ -106,6 +106,11 @@
       </a:defRPr>
     </a:lvl9pPr>
   </p:defaultTextStyle>
+  <p:extLst>
+    <p:ext uri="{EFAFB233-063F-42B5-8137-9DF3F51BA10A}">
+      <p15:sldGuideLst xmlns:p15="http://schemas.microsoft.com/office/powerpoint/2012/main"/>
+    </p:ext>
+  </p:extLst>
 </p:presentation>
 </file>
 
@@ -5384,8 +5389,16 @@
               <a:t>Array</a:t>
             </a:r>
             <a:r>
+              <a:rPr lang="ko-KR" altLang="en-US" sz="1400" dirty="0" err="1"/>
+              <a:t>를</a:t>
+            </a:r>
+            <a:r>
               <a:rPr lang="ko-KR" altLang="en-US" sz="1400" dirty="0"/>
-              <a:t>가 메모리에 추가로 할당된다</a:t>
+              <a:t> 메모리에 추가로 할당한다</a:t>
+            </a:r>
+            <a:r>
+              <a:rPr lang="en-US" altLang="ko-KR" sz="1400" dirty="0"/>
+              <a:t>.</a:t>
             </a:r>
             <a:endParaRPr lang="en-US" sz="1400" dirty="0"/>
           </a:p>
@@ -7204,7 +7217,7 @@
         <p:spPr/>
         <p:txBody>
           <a:bodyPr>
-            <a:normAutofit/>
+            <a:normAutofit lnSpcReduction="10000"/>
           </a:bodyPr>
           <a:lstStyle/>
           <a:p>
@@ -7254,26 +7267,121 @@
             </a:r>
           </a:p>
           <a:p>
+            <a:pPr marL="0" indent="0">
+              <a:buNone/>
+            </a:pPr>
+            <a:r>
+              <a:rPr lang="en-US" altLang="ko-KR" sz="1500" dirty="0"/>
+              <a:t>-</a:t>
+            </a:r>
+            <a:r>
+              <a:rPr lang="ko-KR" altLang="en-US" sz="1500" dirty="0"/>
+              <a:t>    메모리 상에서 일정한 크기의 </a:t>
+            </a:r>
+            <a:r>
+              <a:rPr lang="en-US" altLang="ko-KR" sz="1500" dirty="0"/>
+              <a:t>Array </a:t>
+            </a:r>
+            <a:r>
+              <a:rPr lang="ko-KR" altLang="en-US" sz="1500" dirty="0"/>
+              <a:t>공간을 나눠서 할당한다</a:t>
+            </a:r>
+            <a:endParaRPr lang="en-US" altLang="ko-KR" sz="1500" dirty="0"/>
+          </a:p>
+          <a:p>
+            <a:pPr marL="0" indent="0">
+              <a:buNone/>
+            </a:pPr>
+            <a:r>
+              <a:rPr lang="ko-KR" altLang="en-US" sz="1500" dirty="0"/>
+              <a:t>    </a:t>
+            </a:r>
+            <a:r>
+              <a:rPr lang="en-US" altLang="ko-KR" sz="1500" dirty="0"/>
+              <a:t>-</a:t>
+            </a:r>
+            <a:r>
+              <a:rPr lang="ko-KR" altLang="en-US" sz="1500" dirty="0"/>
+              <a:t>  </a:t>
+            </a:r>
+            <a:r>
+              <a:rPr lang="en-US" altLang="ko-KR" sz="1500" dirty="0"/>
+              <a:t>Array</a:t>
+            </a:r>
+            <a:r>
+              <a:rPr lang="ko-KR" altLang="en-US" sz="1500" dirty="0"/>
+              <a:t>의 경우에는 데이터를 추가로 할당할 때 모든 값을 새로운 주소로 옮긴다</a:t>
+            </a:r>
+            <a:r>
+              <a:rPr lang="en-US" altLang="ko-KR" sz="1500" dirty="0"/>
+              <a:t>.</a:t>
+            </a:r>
+            <a:r>
+              <a:rPr lang="ko-KR" altLang="en-US" sz="1500" dirty="0"/>
+              <a:t> </a:t>
+            </a:r>
+            <a:endParaRPr lang="en-US" altLang="ko-KR" sz="1500" dirty="0"/>
+          </a:p>
+          <a:p>
+            <a:pPr marL="0" indent="0">
+              <a:buNone/>
+            </a:pPr>
+            <a:r>
+              <a:rPr lang="ko-KR" altLang="en-US" sz="1500" dirty="0"/>
+              <a:t>     반면에</a:t>
+            </a:r>
+            <a:r>
+              <a:rPr lang="en-US" altLang="ko-KR" sz="1500" dirty="0"/>
+              <a:t>,</a:t>
+            </a:r>
+            <a:r>
+              <a:rPr lang="ko-KR" altLang="en-US" sz="1500" dirty="0"/>
+              <a:t>  </a:t>
+            </a:r>
+            <a:r>
+              <a:rPr lang="en-US" altLang="ko-KR" sz="1500" dirty="0"/>
+              <a:t>Deque</a:t>
+            </a:r>
+            <a:r>
+              <a:rPr lang="ko-KR" altLang="en-US" sz="1500" dirty="0"/>
+              <a:t>은 일정한 크기의 </a:t>
+            </a:r>
+            <a:r>
+              <a:rPr lang="en-US" altLang="ko-KR" sz="1500" dirty="0"/>
+              <a:t>Array </a:t>
+            </a:r>
+            <a:r>
+              <a:rPr lang="ko-KR" altLang="en-US" sz="1500" dirty="0"/>
+              <a:t>공간을 추가로 할당하기 때문에 값이 옮겨질 필요가 없다</a:t>
+            </a:r>
+            <a:endParaRPr lang="en-US" altLang="ko-KR" sz="1500" dirty="0"/>
+          </a:p>
+          <a:p>
+            <a:pPr marL="0" indent="0">
+              <a:buNone/>
+            </a:pPr>
+            <a:endParaRPr lang="en-US" altLang="ko-KR" sz="1000" dirty="0"/>
+          </a:p>
+          <a:p>
+            <a:pPr marL="0" indent="0">
+              <a:buNone/>
+            </a:pPr>
+            <a:r>
+              <a:rPr lang="ko-KR" altLang="en-US" sz="2000" dirty="0"/>
+              <a:t>단점</a:t>
+            </a:r>
+            <a:endParaRPr lang="en-US" altLang="ko-KR" sz="2000" dirty="0"/>
+          </a:p>
+          <a:p>
             <a:pPr>
               <a:buFontTx/>
               <a:buChar char="-"/>
             </a:pPr>
             <a:r>
               <a:rPr lang="ko-KR" altLang="en-US" sz="1500" dirty="0"/>
-              <a:t>데이터 중간에 추가</a:t>
-            </a:r>
-            <a:r>
-              <a:rPr lang="en-US" altLang="ko-KR" sz="1500" dirty="0"/>
-              <a:t>/</a:t>
-            </a:r>
-            <a:r>
-              <a:rPr lang="ko-KR" altLang="en-US" sz="1500" dirty="0"/>
-              <a:t>삭제 </a:t>
-            </a:r>
-            <a:r>
-              <a:rPr lang="en-US" altLang="ko-KR" sz="1500" dirty="0"/>
-              <a:t>Linear O(N)</a:t>
-            </a:r>
+              <a:t>이중 포인터를 사용함</a:t>
+            </a:r>
+            <a:endParaRPr lang="en-US" altLang="ko-KR" sz="1500" dirty="0"/>
           </a:p>
           <a:p>
             <a:pPr>
@@ -7282,112 +7390,38 @@
             </a:pPr>
             <a:r>
               <a:rPr lang="ko-KR" altLang="en-US" sz="1500" dirty="0"/>
-              <a:t>메모리 상에서 일정한 크기의 </a:t>
-            </a:r>
-            <a:r>
-              <a:rPr lang="en-US" altLang="ko-KR" sz="1500" dirty="0"/>
-              <a:t>Array </a:t>
-            </a:r>
-            <a:r>
-              <a:rPr lang="ko-KR" altLang="en-US" sz="1500" dirty="0"/>
-              <a:t>공간을 나눠서 할당한다</a:t>
+              <a:t>하드웨어적으로 캐시 미스가 발생할 가능성 있음</a:t>
             </a:r>
             <a:endParaRPr lang="en-US" altLang="ko-KR" sz="1500" dirty="0"/>
-          </a:p>
-          <a:p>
-            <a:pPr marL="0" indent="0">
-              <a:buNone/>
-            </a:pPr>
-            <a:r>
-              <a:rPr lang="ko-KR" altLang="en-US" sz="1500" dirty="0"/>
-              <a:t>    </a:t>
-            </a:r>
-            <a:r>
-              <a:rPr lang="en-US" altLang="ko-KR" sz="1500" dirty="0"/>
-              <a:t>-</a:t>
-            </a:r>
-            <a:r>
-              <a:rPr lang="ko-KR" altLang="en-US" sz="1500" dirty="0"/>
-              <a:t>  </a:t>
-            </a:r>
-            <a:r>
-              <a:rPr lang="en-US" altLang="ko-KR" sz="1500" dirty="0"/>
-              <a:t>Array</a:t>
-            </a:r>
-            <a:r>
-              <a:rPr lang="ko-KR" altLang="en-US" sz="1500" dirty="0"/>
-              <a:t>의 경우에는 데이터를 추가로 할당할 때 모든 값을 새로운 주소로 옮긴다</a:t>
-            </a:r>
-            <a:r>
-              <a:rPr lang="en-US" altLang="ko-KR" sz="1500" dirty="0"/>
-              <a:t>.</a:t>
-            </a:r>
-            <a:r>
-              <a:rPr lang="ko-KR" altLang="en-US" sz="1500" dirty="0"/>
-              <a:t> </a:t>
-            </a:r>
-            <a:endParaRPr lang="en-US" altLang="ko-KR" sz="1500" dirty="0"/>
-          </a:p>
-          <a:p>
-            <a:pPr marL="0" indent="0">
-              <a:buNone/>
-            </a:pPr>
-            <a:r>
-              <a:rPr lang="ko-KR" altLang="en-US" sz="1500" dirty="0"/>
-              <a:t>     반면에</a:t>
-            </a:r>
-            <a:r>
-              <a:rPr lang="en-US" altLang="ko-KR" sz="1500" dirty="0"/>
-              <a:t>,</a:t>
-            </a:r>
-            <a:r>
-              <a:rPr lang="ko-KR" altLang="en-US" sz="1500" dirty="0"/>
-              <a:t>  </a:t>
-            </a:r>
-            <a:r>
-              <a:rPr lang="en-US" altLang="ko-KR" sz="1500" dirty="0"/>
-              <a:t>Deque</a:t>
-            </a:r>
-            <a:r>
-              <a:rPr lang="ko-KR" altLang="en-US" sz="1500" dirty="0"/>
-              <a:t>은 일정한 크기의 </a:t>
-            </a:r>
-            <a:r>
-              <a:rPr lang="en-US" altLang="ko-KR" sz="1500" dirty="0"/>
-              <a:t>Array </a:t>
-            </a:r>
-            <a:r>
-              <a:rPr lang="ko-KR" altLang="en-US" sz="1500" dirty="0"/>
-              <a:t>공간을 추가로 할당하기 때문에 값이 옮겨질 필요가 없다</a:t>
-            </a:r>
-            <a:endParaRPr lang="en-US" altLang="ko-KR" sz="1500" dirty="0"/>
-          </a:p>
-          <a:p>
-            <a:pPr marL="0" indent="0">
-              <a:buNone/>
-            </a:pPr>
-            <a:endParaRPr lang="en-US" altLang="ko-KR" sz="1000" dirty="0"/>
-          </a:p>
-          <a:p>
-            <a:pPr marL="0" indent="0">
-              <a:buNone/>
-            </a:pPr>
-            <a:r>
-              <a:rPr lang="ko-KR" altLang="en-US" sz="2000" dirty="0"/>
-              <a:t>단점</a:t>
-            </a:r>
-            <a:endParaRPr lang="en-US" altLang="ko-KR" sz="2000" dirty="0"/>
           </a:p>
           <a:p>
             <a:pPr>
               <a:buFontTx/>
               <a:buChar char="-"/>
             </a:pPr>
-            <a:r>
-              <a:rPr lang="ko-KR" altLang="en-US" sz="1500" dirty="0"/>
-              <a:t>이중 포인터를 사용함</a:t>
-            </a:r>
-            <a:endParaRPr lang="en-US" altLang="ko-KR" sz="1500" dirty="0"/>
+            <a:endParaRPr lang="en-US" altLang="ko-KR" sz="1500" b="1" dirty="0"/>
+          </a:p>
+          <a:p>
+            <a:pPr marL="0" indent="0">
+              <a:buNone/>
+            </a:pPr>
+            <a:r>
+              <a:rPr lang="en-US" altLang="ko-KR" sz="2000" dirty="0"/>
+              <a:t>?</a:t>
+            </a:r>
+            <a:r>
+              <a:rPr lang="ko-KR" altLang="en-US" sz="2000" dirty="0"/>
+              <a:t> 그냥 특징</a:t>
+            </a:r>
+            <a:r>
+              <a:rPr lang="en-US" altLang="ko-KR" sz="2000" dirty="0"/>
+              <a:t>?</a:t>
+            </a:r>
+            <a:r>
+              <a:rPr lang="ko-KR" altLang="en-US" sz="2000" dirty="0"/>
+              <a:t> </a:t>
+            </a:r>
+            <a:endParaRPr lang="en-US" altLang="ko-KR" sz="2000" dirty="0"/>
           </a:p>
           <a:p>
             <a:pPr>
@@ -7396,9 +7430,20 @@
             </a:pPr>
             <a:r>
               <a:rPr lang="ko-KR" altLang="en-US" sz="1500" dirty="0"/>
-              <a:t>하드웨어적으로 캐시 미스가 발생할 가능성 있음</a:t>
-            </a:r>
-            <a:endParaRPr lang="en-US" altLang="ko-KR" sz="1500" b="1" dirty="0"/>
+              <a:t>데이터 중간에 추가</a:t>
+            </a:r>
+            <a:r>
+              <a:rPr lang="en-US" altLang="ko-KR" sz="1500" dirty="0"/>
+              <a:t>/</a:t>
+            </a:r>
+            <a:r>
+              <a:rPr lang="ko-KR" altLang="en-US" sz="1500" dirty="0"/>
+              <a:t>삭제 </a:t>
+            </a:r>
+            <a:r>
+              <a:rPr lang="en-US" altLang="ko-KR" sz="1500" dirty="0"/>
+              <a:t>Linear O(N)</a:t>
+            </a:r>
           </a:p>
         </p:txBody>
       </p:sp>
